--- a/CS309--OOAD/project/ProjectPartA.pptx
+++ b/CS309--OOAD/project/ProjectPartA.pptx
@@ -5,25 +5,25 @@
     <p:sldMasterId id="2147483648" r:id="rId1"/>
   </p:sldMasterIdLst>
   <p:notesMasterIdLst>
-    <p:notesMasterId r:id="rId10"/>
+    <p:notesMasterId r:id="rId15"/>
   </p:notesMasterIdLst>
   <p:handoutMasterIdLst>
-    <p:handoutMasterId r:id="rId17"/>
+    <p:handoutMasterId r:id="rId16"/>
   </p:handoutMasterIdLst>
   <p:sldIdLst>
-    <p:sldId id="256" r:id="rId3"/>
-    <p:sldId id="268" r:id="rId4"/>
-    <p:sldId id="269" r:id="rId5"/>
-    <p:sldId id="271" r:id="rId6"/>
-    <p:sldId id="270" r:id="rId7"/>
-    <p:sldId id="272" r:id="rId8"/>
-    <p:sldId id="273" r:id="rId9"/>
-    <p:sldId id="274" r:id="rId11"/>
-    <p:sldId id="276" r:id="rId12"/>
-    <p:sldId id="277" r:id="rId13"/>
-    <p:sldId id="278" r:id="rId14"/>
-    <p:sldId id="279" r:id="rId15"/>
-    <p:sldId id="267" r:id="rId16"/>
+    <p:sldId id="256" r:id="rId2"/>
+    <p:sldId id="268" r:id="rId3"/>
+    <p:sldId id="269" r:id="rId4"/>
+    <p:sldId id="271" r:id="rId5"/>
+    <p:sldId id="270" r:id="rId6"/>
+    <p:sldId id="272" r:id="rId7"/>
+    <p:sldId id="273" r:id="rId8"/>
+    <p:sldId id="274" r:id="rId9"/>
+    <p:sldId id="276" r:id="rId10"/>
+    <p:sldId id="277" r:id="rId11"/>
+    <p:sldId id="278" r:id="rId12"/>
+    <p:sldId id="279" r:id="rId13"/>
+    <p:sldId id="267" r:id="rId14"/>
   </p:sldIdLst>
   <p:sldSz cx="9144000" cy="6858000" type="screen4x3"/>
   <p:notesSz cx="6858000" cy="9144000"/>
@@ -122,6 +122,22 @@
       </a:defRPr>
     </a:lvl9pPr>
   </p:defaultTextStyle>
+  <p:extLst>
+    <p:ext uri="{EFAFB233-063F-42B5-8137-9DF3F51BA10A}">
+      <p15:sldGuideLst xmlns:p15="http://schemas.microsoft.com/office/powerpoint/2012/main">
+        <p15:guide id="1" orient="horz" pos="2160">
+          <p15:clr>
+            <a:srgbClr val="A4A3A4"/>
+          </p15:clr>
+        </p15:guide>
+        <p15:guide id="2" pos="2880">
+          <p15:clr>
+            <a:srgbClr val="A4A3A4"/>
+          </p15:clr>
+        </p15:guide>
+      </p15:sldGuideLst>
+    </p:ext>
+  </p:extLst>
 </p:presentation>
 </file>
 
@@ -207,6 +223,7 @@
           <a:p>
             <a:fld id="{DE6C828E-551C-344D-88CB-4E228CABB3EE}" type="datetimeFigureOut">
               <a:rPr lang="en-US" smtClean="0"/>
+              <a:t>10/22/2021</a:t>
             </a:fld>
             <a:endParaRPr lang="en-US"/>
           </a:p>
@@ -272,12 +289,18 @@
           <a:p>
             <a:fld id="{0C5D3A48-08EC-6C4D-B61F-FFAEF68E8A7A}" type="slidenum">
               <a:rPr lang="en-US" smtClean="0"/>
+              <a:t>‹#›</a:t>
             </a:fld>
             <a:endParaRPr lang="en-US"/>
           </a:p>
         </p:txBody>
       </p:sp>
     </p:spTree>
+    <p:extLst>
+      <p:ext uri="{BB962C8B-B14F-4D97-AF65-F5344CB8AC3E}">
+        <p14:creationId xmlns:p14="http://schemas.microsoft.com/office/powerpoint/2010/main" val="1"/>
+      </p:ext>
+    </p:extLst>
   </p:cSld>
   <p:clrMap bg1="lt1" tx1="dk1" bg2="lt2" tx2="dk2" accent1="accent1" accent2="accent2" accent3="accent3" accent4="accent4" accent5="accent5" accent6="accent6" hlink="hlink" folHlink="folHlink"/>
   <p:hf hdr="0" ftr="0" dt="0"/>
@@ -366,6 +389,7 @@
           <a:p>
             <a:fld id="{BD70C76B-884A-9B45-AA14-51E4A9967FDF}" type="datetimeFigureOut">
               <a:rPr lang="en-US" smtClean="0"/>
+              <a:t>10/22/2021</a:t>
             </a:fld>
             <a:endParaRPr lang="en-US"/>
           </a:p>
@@ -429,42 +453,37 @@
           <a:p>
             <a:pPr lvl="0"/>
             <a:r>
-              <a:rPr lang="en-US" smtClean="0"/>
+              <a:rPr lang="en-US"/>
               <a:t>Click to edit Master text styles</a:t>
             </a:r>
-            <a:endParaRPr lang="en-US" smtClean="0"/>
           </a:p>
           <a:p>
             <a:pPr lvl="1"/>
             <a:r>
-              <a:rPr lang="en-US" smtClean="0"/>
+              <a:rPr lang="en-US"/>
               <a:t>Second level</a:t>
             </a:r>
-            <a:endParaRPr lang="en-US" smtClean="0"/>
           </a:p>
           <a:p>
             <a:pPr lvl="2"/>
             <a:r>
-              <a:rPr lang="en-US" smtClean="0"/>
+              <a:rPr lang="en-US"/>
               <a:t>Third level</a:t>
             </a:r>
-            <a:endParaRPr lang="en-US" smtClean="0"/>
           </a:p>
           <a:p>
             <a:pPr lvl="3"/>
             <a:r>
-              <a:rPr lang="en-US" smtClean="0"/>
+              <a:rPr lang="en-US"/>
               <a:t>Fourth level</a:t>
             </a:r>
-            <a:endParaRPr lang="en-US" smtClean="0"/>
           </a:p>
           <a:p>
             <a:pPr lvl="4"/>
             <a:r>
-              <a:rPr lang="en-US" smtClean="0"/>
+              <a:rPr lang="en-US"/>
               <a:t>Fifth level</a:t>
             </a:r>
-            <a:endParaRPr lang="en-US"/>
           </a:p>
         </p:txBody>
       </p:sp>
@@ -528,6 +547,7 @@
           <a:p>
             <a:fld id="{45BD3050-06EE-BC47-9F0D-D777D21F70C4}" type="slidenum">
               <a:rPr lang="en-US" smtClean="0"/>
+              <a:t>‹#›</a:t>
             </a:fld>
             <a:endParaRPr lang="en-US"/>
           </a:p>
@@ -677,11 +697,11 @@
           <a:lstStyle/>
           <a:p>
             <a:r>
-              <a:rPr lang="en-US" dirty="0" smtClean="0"/>
+              <a:rPr lang="en-US" dirty="0"/>
               <a:t>Database schema </a:t>
             </a:r>
             <a:r>
-              <a:rPr lang="zh-CN" altLang="en-US" dirty="0" smtClean="0"/>
+              <a:rPr lang="zh-CN" altLang="en-US" dirty="0"/>
               <a:t>数据库模式</a:t>
             </a:r>
             <a:endParaRPr lang="en-US" dirty="0"/>
@@ -705,6 +725,7 @@
           <a:p>
             <a:fld id="{45BD3050-06EE-BC47-9F0D-D777D21F70C4}" type="slidenum">
               <a:rPr lang="en-US" smtClean="0"/>
+              <a:t>7</a:t>
             </a:fld>
             <a:endParaRPr lang="en-US"/>
           </a:p>
@@ -762,7 +783,7 @@
           </a:lstStyle>
           <a:p>
             <a:r>
-              <a:rPr lang="en-US" smtClean="0"/>
+              <a:rPr lang="en-US"/>
               <a:t>Click to edit Master title style</a:t>
             </a:r>
             <a:endParaRPr lang="en-US" dirty="0"/>
@@ -882,7 +903,7 @@
           </a:lstStyle>
           <a:p>
             <a:r>
-              <a:rPr lang="en-US" smtClean="0"/>
+              <a:rPr lang="en-US"/>
               <a:t>Click to edit Master subtitle style</a:t>
             </a:r>
             <a:endParaRPr lang="en-US" dirty="0"/>
@@ -906,6 +927,7 @@
           <a:p>
             <a:fld id="{FE3DDCCB-E609-5A48-BEDC-5A30072E2A24}" type="datetime1">
               <a:rPr lang="en-US" smtClean="0"/>
+              <a:t>10/22/2021</a:t>
             </a:fld>
             <a:endParaRPr lang="en-US"/>
           </a:p>
@@ -947,6 +969,7 @@
           <a:p>
             <a:fld id="{9B1A09FB-B7E1-A84A-81E7-727DE4609E44}" type="slidenum">
               <a:rPr lang="en-US" smtClean="0"/>
+              <a:t>‹#›</a:t>
             </a:fld>
             <a:endParaRPr lang="en-US"/>
           </a:p>
@@ -1028,10 +1051,9 @@
           <a:lstStyle/>
           <a:p>
             <a:r>
-              <a:rPr lang="en-US" smtClean="0"/>
+              <a:rPr lang="en-US"/>
               <a:t>Click to edit Master title style</a:t>
             </a:r>
-            <a:endParaRPr lang="en-US"/>
           </a:p>
         </p:txBody>
       </p:sp>
@@ -1052,42 +1074,37 @@
           <a:p>
             <a:pPr lvl="0"/>
             <a:r>
-              <a:rPr lang="en-US" smtClean="0"/>
+              <a:rPr lang="en-US"/>
               <a:t>Click to edit Master text styles</a:t>
             </a:r>
-            <a:endParaRPr lang="en-US" smtClean="0"/>
           </a:p>
           <a:p>
             <a:pPr lvl="1"/>
             <a:r>
-              <a:rPr lang="en-US" smtClean="0"/>
+              <a:rPr lang="en-US"/>
               <a:t>Second level</a:t>
             </a:r>
-            <a:endParaRPr lang="en-US" smtClean="0"/>
           </a:p>
           <a:p>
             <a:pPr lvl="2"/>
             <a:r>
-              <a:rPr lang="en-US" smtClean="0"/>
+              <a:rPr lang="en-US"/>
               <a:t>Third level</a:t>
             </a:r>
-            <a:endParaRPr lang="en-US" smtClean="0"/>
           </a:p>
           <a:p>
             <a:pPr lvl="3"/>
             <a:r>
-              <a:rPr lang="en-US" smtClean="0"/>
+              <a:rPr lang="en-US"/>
               <a:t>Fourth level</a:t>
             </a:r>
-            <a:endParaRPr lang="en-US" smtClean="0"/>
           </a:p>
           <a:p>
             <a:pPr lvl="4"/>
             <a:r>
-              <a:rPr lang="en-US" smtClean="0"/>
+              <a:rPr lang="en-US"/>
               <a:t>Fifth level</a:t>
             </a:r>
-            <a:endParaRPr lang="en-US"/>
           </a:p>
         </p:txBody>
       </p:sp>
@@ -1108,6 +1125,7 @@
           <a:p>
             <a:fld id="{C440E336-74A8-ED43-B9CF-15D33DB98FD7}" type="datetime1">
               <a:rPr lang="en-US" smtClean="0"/>
+              <a:t>10/22/2021</a:t>
             </a:fld>
             <a:endParaRPr lang="en-US"/>
           </a:p>
@@ -1149,6 +1167,7 @@
           <a:p>
             <a:fld id="{9B1A09FB-B7E1-A84A-81E7-727DE4609E44}" type="slidenum">
               <a:rPr lang="en-US" smtClean="0"/>
+              <a:t>‹#›</a:t>
             </a:fld>
             <a:endParaRPr lang="en-US"/>
           </a:p>
@@ -1200,7 +1219,7 @@
           <a:lstStyle/>
           <a:p>
             <a:r>
-              <a:rPr lang="en-US" smtClean="0"/>
+              <a:rPr lang="en-US"/>
               <a:t>Click to edit Master title style</a:t>
             </a:r>
             <a:endParaRPr lang="en-US" dirty="0"/>
@@ -1229,39 +1248,35 @@
           <a:p>
             <a:pPr lvl="0"/>
             <a:r>
-              <a:rPr lang="en-US" smtClean="0"/>
+              <a:rPr lang="en-US"/>
               <a:t>Click to edit Master text styles</a:t>
             </a:r>
-            <a:endParaRPr lang="en-US" smtClean="0"/>
           </a:p>
           <a:p>
             <a:pPr lvl="1"/>
             <a:r>
-              <a:rPr lang="en-US" smtClean="0"/>
+              <a:rPr lang="en-US"/>
               <a:t>Second level</a:t>
             </a:r>
-            <a:endParaRPr lang="en-US" smtClean="0"/>
           </a:p>
           <a:p>
             <a:pPr lvl="2"/>
             <a:r>
-              <a:rPr lang="en-US" smtClean="0"/>
+              <a:rPr lang="en-US"/>
               <a:t>Third level</a:t>
             </a:r>
-            <a:endParaRPr lang="en-US" smtClean="0"/>
           </a:p>
           <a:p>
             <a:pPr lvl="3"/>
             <a:r>
-              <a:rPr lang="en-US" smtClean="0"/>
+              <a:rPr lang="en-US"/>
               <a:t>Fourth level</a:t>
             </a:r>
-            <a:endParaRPr lang="en-US" smtClean="0"/>
           </a:p>
           <a:p>
             <a:pPr lvl="4"/>
             <a:r>
-              <a:rPr lang="en-US" smtClean="0"/>
+              <a:rPr lang="en-US"/>
               <a:t>Fifth level</a:t>
             </a:r>
             <a:endParaRPr lang="en-US" dirty="0"/>
@@ -1285,6 +1300,7 @@
           <a:p>
             <a:fld id="{8C7A0B7B-A113-004B-98AF-F6954965FA4B}" type="datetime1">
               <a:rPr lang="en-US" smtClean="0"/>
+              <a:t>10/22/2021</a:t>
             </a:fld>
             <a:endParaRPr lang="en-US"/>
           </a:p>
@@ -1326,6 +1342,7 @@
           <a:p>
             <a:fld id="{9B1A09FB-B7E1-A84A-81E7-727DE4609E44}" type="slidenum">
               <a:rPr lang="en-US" smtClean="0"/>
+              <a:t>‹#›</a:t>
             </a:fld>
             <a:endParaRPr lang="en-US"/>
           </a:p>
@@ -1372,10 +1389,9 @@
           <a:lstStyle/>
           <a:p>
             <a:r>
-              <a:rPr lang="en-US" smtClean="0"/>
+              <a:rPr lang="en-US"/>
               <a:t>Click to edit Master title style</a:t>
             </a:r>
-            <a:endParaRPr lang="en-US"/>
           </a:p>
         </p:txBody>
       </p:sp>
@@ -1396,42 +1412,37 @@
           <a:p>
             <a:pPr lvl="0"/>
             <a:r>
-              <a:rPr lang="en-US" smtClean="0"/>
+              <a:rPr lang="en-US"/>
               <a:t>Click to edit Master text styles</a:t>
             </a:r>
-            <a:endParaRPr lang="en-US" smtClean="0"/>
           </a:p>
           <a:p>
             <a:pPr lvl="1"/>
             <a:r>
-              <a:rPr lang="en-US" smtClean="0"/>
+              <a:rPr lang="en-US"/>
               <a:t>Second level</a:t>
             </a:r>
-            <a:endParaRPr lang="en-US" smtClean="0"/>
           </a:p>
           <a:p>
             <a:pPr lvl="2"/>
             <a:r>
-              <a:rPr lang="en-US" smtClean="0"/>
+              <a:rPr lang="en-US"/>
               <a:t>Third level</a:t>
             </a:r>
-            <a:endParaRPr lang="en-US" smtClean="0"/>
           </a:p>
           <a:p>
             <a:pPr lvl="3"/>
             <a:r>
-              <a:rPr lang="en-US" smtClean="0"/>
+              <a:rPr lang="en-US"/>
               <a:t>Fourth level</a:t>
             </a:r>
-            <a:endParaRPr lang="en-US" smtClean="0"/>
           </a:p>
           <a:p>
             <a:pPr lvl="4"/>
             <a:r>
-              <a:rPr lang="en-US" smtClean="0"/>
+              <a:rPr lang="en-US"/>
               <a:t>Fifth level</a:t>
             </a:r>
-            <a:endParaRPr lang="en-US"/>
           </a:p>
         </p:txBody>
       </p:sp>
@@ -1452,6 +1463,7 @@
           <a:p>
             <a:fld id="{675A1929-8A07-074C-BA41-0751E1C6C98B}" type="datetime1">
               <a:rPr lang="en-US" smtClean="0"/>
+              <a:t>10/22/2021</a:t>
             </a:fld>
             <a:endParaRPr lang="en-US"/>
           </a:p>
@@ -1493,6 +1505,7 @@
           <a:p>
             <a:fld id="{9B1A09FB-B7E1-A84A-81E7-727DE4609E44}" type="slidenum">
               <a:rPr lang="en-US" smtClean="0"/>
+              <a:t>‹#›</a:t>
             </a:fld>
             <a:endParaRPr lang="en-US"/>
           </a:p>
@@ -1555,7 +1568,7 @@
           </a:lstStyle>
           <a:p>
             <a:r>
-              <a:rPr lang="en-US" smtClean="0"/>
+              <a:rPr lang="en-US"/>
               <a:t>Click to edit Master title style</a:t>
             </a:r>
             <a:endParaRPr lang="en-US" dirty="0"/>
@@ -1675,10 +1688,9 @@
           <a:p>
             <a:pPr lvl="0"/>
             <a:r>
-              <a:rPr lang="en-US" smtClean="0"/>
+              <a:rPr lang="en-US"/>
               <a:t>Click to edit Master text styles</a:t>
             </a:r>
-            <a:endParaRPr lang="en-US" smtClean="0"/>
           </a:p>
         </p:txBody>
       </p:sp>
@@ -1699,6 +1711,7 @@
           <a:p>
             <a:fld id="{E75A42D5-148A-9F44-95EF-3F32DF51CBE9}" type="datetime1">
               <a:rPr lang="en-US" smtClean="0"/>
+              <a:t>10/22/2021</a:t>
             </a:fld>
             <a:endParaRPr lang="en-US"/>
           </a:p>
@@ -1740,6 +1753,7 @@
           <a:p>
             <a:fld id="{9B1A09FB-B7E1-A84A-81E7-727DE4609E44}" type="slidenum">
               <a:rPr lang="en-US" smtClean="0"/>
+              <a:t>‹#›</a:t>
             </a:fld>
             <a:endParaRPr lang="en-US"/>
           </a:p>
@@ -1821,10 +1835,9 @@
           <a:lstStyle/>
           <a:p>
             <a:r>
-              <a:rPr lang="en-US" smtClean="0"/>
+              <a:rPr lang="en-US"/>
               <a:t>Click to edit Master title style</a:t>
             </a:r>
-            <a:endParaRPr lang="en-US"/>
           </a:p>
         </p:txBody>
       </p:sp>
@@ -1878,39 +1891,35 @@
           <a:p>
             <a:pPr lvl="0"/>
             <a:r>
-              <a:rPr lang="en-US" smtClean="0"/>
+              <a:rPr lang="en-US"/>
               <a:t>Click to edit Master text styles</a:t>
             </a:r>
-            <a:endParaRPr lang="en-US" smtClean="0"/>
           </a:p>
           <a:p>
             <a:pPr lvl="1"/>
             <a:r>
-              <a:rPr lang="en-US" smtClean="0"/>
+              <a:rPr lang="en-US"/>
               <a:t>Second level</a:t>
             </a:r>
-            <a:endParaRPr lang="en-US" smtClean="0"/>
           </a:p>
           <a:p>
             <a:pPr lvl="2"/>
             <a:r>
-              <a:rPr lang="en-US" smtClean="0"/>
+              <a:rPr lang="en-US"/>
               <a:t>Third level</a:t>
             </a:r>
-            <a:endParaRPr lang="en-US" smtClean="0"/>
           </a:p>
           <a:p>
             <a:pPr lvl="3"/>
             <a:r>
-              <a:rPr lang="en-US" smtClean="0"/>
+              <a:rPr lang="en-US"/>
               <a:t>Fourth level</a:t>
             </a:r>
-            <a:endParaRPr lang="en-US" smtClean="0"/>
           </a:p>
           <a:p>
             <a:pPr lvl="4"/>
             <a:r>
-              <a:rPr lang="en-US" smtClean="0"/>
+              <a:rPr lang="en-US"/>
               <a:t>Fifth level</a:t>
             </a:r>
             <a:endParaRPr lang="en-US" dirty="0"/>
@@ -1967,39 +1976,35 @@
           <a:p>
             <a:pPr lvl="0"/>
             <a:r>
-              <a:rPr lang="en-US" smtClean="0"/>
+              <a:rPr lang="en-US"/>
               <a:t>Click to edit Master text styles</a:t>
             </a:r>
-            <a:endParaRPr lang="en-US" smtClean="0"/>
           </a:p>
           <a:p>
             <a:pPr lvl="1"/>
             <a:r>
-              <a:rPr lang="en-US" smtClean="0"/>
+              <a:rPr lang="en-US"/>
               <a:t>Second level</a:t>
             </a:r>
-            <a:endParaRPr lang="en-US" smtClean="0"/>
           </a:p>
           <a:p>
             <a:pPr lvl="2"/>
             <a:r>
-              <a:rPr lang="en-US" smtClean="0"/>
+              <a:rPr lang="en-US"/>
               <a:t>Third level</a:t>
             </a:r>
-            <a:endParaRPr lang="en-US" smtClean="0"/>
           </a:p>
           <a:p>
             <a:pPr lvl="3"/>
             <a:r>
-              <a:rPr lang="en-US" smtClean="0"/>
+              <a:rPr lang="en-US"/>
               <a:t>Fourth level</a:t>
             </a:r>
-            <a:endParaRPr lang="en-US" smtClean="0"/>
           </a:p>
           <a:p>
             <a:pPr lvl="4"/>
             <a:r>
-              <a:rPr lang="en-US" smtClean="0"/>
+              <a:rPr lang="en-US"/>
               <a:t>Fifth level</a:t>
             </a:r>
             <a:endParaRPr lang="en-US" dirty="0"/>
@@ -2023,6 +2028,7 @@
           <a:p>
             <a:fld id="{7364791D-A532-1B4A-AD78-8235E6130244}" type="datetime1">
               <a:rPr lang="en-US" smtClean="0"/>
+              <a:t>10/22/2021</a:t>
             </a:fld>
             <a:endParaRPr lang="en-US"/>
           </a:p>
@@ -2064,6 +2070,7 @@
           <a:p>
             <a:fld id="{9B1A09FB-B7E1-A84A-81E7-727DE4609E44}" type="slidenum">
               <a:rPr lang="en-US" smtClean="0"/>
+              <a:t>‹#›</a:t>
             </a:fld>
             <a:endParaRPr lang="en-US"/>
           </a:p>
@@ -2114,7 +2121,7 @@
           </a:lstStyle>
           <a:p>
             <a:r>
-              <a:rPr lang="en-US" smtClean="0"/>
+              <a:rPr lang="en-US"/>
               <a:t>Click to edit Master title style</a:t>
             </a:r>
             <a:endParaRPr lang="en-US" dirty="0"/>
@@ -2203,10 +2210,9 @@
           <a:p>
             <a:pPr lvl="0"/>
             <a:r>
-              <a:rPr lang="en-US" smtClean="0"/>
+              <a:rPr lang="en-US"/>
               <a:t>Click to edit Master text styles</a:t>
             </a:r>
-            <a:endParaRPr lang="en-US" smtClean="0"/>
           </a:p>
         </p:txBody>
       </p:sp>
@@ -2260,39 +2266,35 @@
           <a:p>
             <a:pPr lvl="0"/>
             <a:r>
-              <a:rPr lang="en-US" smtClean="0"/>
+              <a:rPr lang="en-US"/>
               <a:t>Click to edit Master text styles</a:t>
             </a:r>
-            <a:endParaRPr lang="en-US" smtClean="0"/>
           </a:p>
           <a:p>
             <a:pPr lvl="1"/>
             <a:r>
-              <a:rPr lang="en-US" smtClean="0"/>
+              <a:rPr lang="en-US"/>
               <a:t>Second level</a:t>
             </a:r>
-            <a:endParaRPr lang="en-US" smtClean="0"/>
           </a:p>
           <a:p>
             <a:pPr lvl="2"/>
             <a:r>
-              <a:rPr lang="en-US" smtClean="0"/>
+              <a:rPr lang="en-US"/>
               <a:t>Third level</a:t>
             </a:r>
-            <a:endParaRPr lang="en-US" smtClean="0"/>
           </a:p>
           <a:p>
             <a:pPr lvl="3"/>
             <a:r>
-              <a:rPr lang="en-US" smtClean="0"/>
+              <a:rPr lang="en-US"/>
               <a:t>Fourth level</a:t>
             </a:r>
-            <a:endParaRPr lang="en-US" smtClean="0"/>
           </a:p>
           <a:p>
             <a:pPr lvl="4"/>
             <a:r>
-              <a:rPr lang="en-US" smtClean="0"/>
+              <a:rPr lang="en-US"/>
               <a:t>Fifth level</a:t>
             </a:r>
             <a:endParaRPr lang="en-US" dirty="0"/>
@@ -2384,10 +2386,9 @@
           <a:p>
             <a:pPr lvl="0"/>
             <a:r>
-              <a:rPr lang="en-US" smtClean="0"/>
+              <a:rPr lang="en-US"/>
               <a:t>Click to edit Master text styles</a:t>
             </a:r>
-            <a:endParaRPr lang="en-US" smtClean="0"/>
           </a:p>
         </p:txBody>
       </p:sp>
@@ -2441,39 +2442,35 @@
           <a:p>
             <a:pPr lvl="0"/>
             <a:r>
-              <a:rPr lang="en-US" smtClean="0"/>
+              <a:rPr lang="en-US"/>
               <a:t>Click to edit Master text styles</a:t>
             </a:r>
-            <a:endParaRPr lang="en-US" smtClean="0"/>
           </a:p>
           <a:p>
             <a:pPr lvl="1"/>
             <a:r>
-              <a:rPr lang="en-US" smtClean="0"/>
+              <a:rPr lang="en-US"/>
               <a:t>Second level</a:t>
             </a:r>
-            <a:endParaRPr lang="en-US" smtClean="0"/>
           </a:p>
           <a:p>
             <a:pPr lvl="2"/>
             <a:r>
-              <a:rPr lang="en-US" smtClean="0"/>
+              <a:rPr lang="en-US"/>
               <a:t>Third level</a:t>
             </a:r>
-            <a:endParaRPr lang="en-US" smtClean="0"/>
           </a:p>
           <a:p>
             <a:pPr lvl="3"/>
             <a:r>
-              <a:rPr lang="en-US" smtClean="0"/>
+              <a:rPr lang="en-US"/>
               <a:t>Fourth level</a:t>
             </a:r>
-            <a:endParaRPr lang="en-US" smtClean="0"/>
           </a:p>
           <a:p>
             <a:pPr lvl="4"/>
             <a:r>
-              <a:rPr lang="en-US" smtClean="0"/>
+              <a:rPr lang="en-US"/>
               <a:t>Fifth level</a:t>
             </a:r>
             <a:endParaRPr lang="en-US" dirty="0"/>
@@ -2497,6 +2494,7 @@
           <a:p>
             <a:fld id="{B0436258-00E8-9A4D-A3BA-4203639C98B1}" type="datetime1">
               <a:rPr lang="en-US" smtClean="0"/>
+              <a:t>10/22/2021</a:t>
             </a:fld>
             <a:endParaRPr lang="en-US"/>
           </a:p>
@@ -2538,6 +2536,7 @@
           <a:p>
             <a:fld id="{9B1A09FB-B7E1-A84A-81E7-727DE4609E44}" type="slidenum">
               <a:rPr lang="en-US" smtClean="0"/>
+              <a:t>‹#›</a:t>
             </a:fld>
             <a:endParaRPr lang="en-US"/>
           </a:p>
@@ -2619,10 +2618,9 @@
           <a:lstStyle/>
           <a:p>
             <a:r>
-              <a:rPr lang="en-US" smtClean="0"/>
+              <a:rPr lang="en-US"/>
               <a:t>Click to edit Master title style</a:t>
             </a:r>
-            <a:endParaRPr lang="en-US"/>
           </a:p>
         </p:txBody>
       </p:sp>
@@ -2643,6 +2641,7 @@
           <a:p>
             <a:fld id="{41565C21-7B40-DD47-9ED0-3C83C0AF7DB1}" type="datetime1">
               <a:rPr lang="en-US" smtClean="0"/>
+              <a:t>10/22/2021</a:t>
             </a:fld>
             <a:endParaRPr lang="en-US"/>
           </a:p>
@@ -2684,6 +2683,7 @@
           <a:p>
             <a:fld id="{9B1A09FB-B7E1-A84A-81E7-727DE4609E44}" type="slidenum">
               <a:rPr lang="en-US" smtClean="0"/>
+              <a:t>‹#›</a:t>
             </a:fld>
             <a:endParaRPr lang="en-US"/>
           </a:p>
@@ -2731,6 +2731,7 @@
           <a:p>
             <a:fld id="{B16DB879-EFCB-D04D-8C10-BCCA988C5AA8}" type="datetime1">
               <a:rPr lang="en-US" smtClean="0"/>
+              <a:t>10/22/2021</a:t>
             </a:fld>
             <a:endParaRPr lang="en-US"/>
           </a:p>
@@ -2772,6 +2773,7 @@
           <a:p>
             <a:fld id="{9B1A09FB-B7E1-A84A-81E7-727DE4609E44}" type="slidenum">
               <a:rPr lang="en-US" smtClean="0"/>
+              <a:t>‹#›</a:t>
             </a:fld>
             <a:endParaRPr lang="en-US"/>
           </a:p>
@@ -2829,7 +2831,7 @@
           </a:lstStyle>
           <a:p>
             <a:r>
-              <a:rPr lang="en-US" smtClean="0"/>
+              <a:rPr lang="en-US"/>
               <a:t>Click to edit Master title style</a:t>
             </a:r>
             <a:endParaRPr lang="en-US" dirty="0"/>
@@ -2886,39 +2888,35 @@
           <a:p>
             <a:pPr lvl="0"/>
             <a:r>
-              <a:rPr lang="en-US" smtClean="0"/>
+              <a:rPr lang="en-US"/>
               <a:t>Click to edit Master text styles</a:t>
             </a:r>
-            <a:endParaRPr lang="en-US" smtClean="0"/>
           </a:p>
           <a:p>
             <a:pPr lvl="1"/>
             <a:r>
-              <a:rPr lang="en-US" smtClean="0"/>
+              <a:rPr lang="en-US"/>
               <a:t>Second level</a:t>
             </a:r>
-            <a:endParaRPr lang="en-US" smtClean="0"/>
           </a:p>
           <a:p>
             <a:pPr lvl="2"/>
             <a:r>
-              <a:rPr lang="en-US" smtClean="0"/>
+              <a:rPr lang="en-US"/>
               <a:t>Third level</a:t>
             </a:r>
-            <a:endParaRPr lang="en-US" smtClean="0"/>
           </a:p>
           <a:p>
             <a:pPr lvl="3"/>
             <a:r>
-              <a:rPr lang="en-US" smtClean="0"/>
+              <a:rPr lang="en-US"/>
               <a:t>Fourth level</a:t>
             </a:r>
-            <a:endParaRPr lang="en-US" smtClean="0"/>
           </a:p>
           <a:p>
             <a:pPr lvl="4"/>
             <a:r>
-              <a:rPr lang="en-US" smtClean="0"/>
+              <a:rPr lang="en-US"/>
               <a:t>Fifth level</a:t>
             </a:r>
             <a:endParaRPr lang="en-US" dirty="0"/>
@@ -2984,10 +2982,9 @@
           <a:p>
             <a:pPr lvl="0"/>
             <a:r>
-              <a:rPr lang="en-US" smtClean="0"/>
+              <a:rPr lang="en-US"/>
               <a:t>Click to edit Master text styles</a:t>
             </a:r>
-            <a:endParaRPr lang="en-US" smtClean="0"/>
           </a:p>
         </p:txBody>
       </p:sp>
@@ -3008,6 +3005,7 @@
           <a:p>
             <a:fld id="{8C2C0560-7B86-494E-B624-280066CC4CB9}" type="datetime1">
               <a:rPr lang="en-US" smtClean="0"/>
+              <a:t>10/22/2021</a:t>
             </a:fld>
             <a:endParaRPr lang="en-US"/>
           </a:p>
@@ -3049,6 +3047,7 @@
           <a:p>
             <a:fld id="{9B1A09FB-B7E1-A84A-81E7-727DE4609E44}" type="slidenum">
               <a:rPr lang="en-US" smtClean="0"/>
+              <a:t>‹#›</a:t>
             </a:fld>
             <a:endParaRPr lang="en-US"/>
           </a:p>
@@ -3141,7 +3140,7 @@
           </a:lstStyle>
           <a:p>
             <a:r>
-              <a:rPr lang="en-US" smtClean="0"/>
+              <a:rPr lang="en-US"/>
               <a:t>Click to edit Master title style</a:t>
             </a:r>
             <a:endParaRPr lang="en-US" dirty="0"/>
@@ -3222,7 +3221,7 @@
           </a:lstStyle>
           <a:p>
             <a:r>
-              <a:rPr lang="en-US" smtClean="0"/>
+              <a:rPr lang="en-US"/>
               <a:t>Drag picture to placeholder or click icon to add</a:t>
             </a:r>
             <a:endParaRPr lang="en-US" dirty="0"/>
@@ -3288,10 +3287,9 @@
           <a:p>
             <a:pPr lvl="0"/>
             <a:r>
-              <a:rPr lang="en-US" smtClean="0"/>
+              <a:rPr lang="en-US"/>
               <a:t>Click to edit Master text styles</a:t>
             </a:r>
-            <a:endParaRPr lang="en-US" smtClean="0"/>
           </a:p>
         </p:txBody>
       </p:sp>
@@ -3312,6 +3310,7 @@
           <a:p>
             <a:fld id="{B9F7774C-FEFC-F64C-B7DF-423D9BFC48EC}" type="datetime1">
               <a:rPr lang="en-US" smtClean="0"/>
+              <a:t>10/22/2021</a:t>
             </a:fld>
             <a:endParaRPr lang="en-US"/>
           </a:p>
@@ -3353,6 +3352,7 @@
           <a:p>
             <a:fld id="{9B1A09FB-B7E1-A84A-81E7-727DE4609E44}" type="slidenum">
               <a:rPr lang="en-US" smtClean="0"/>
+              <a:t>‹#›</a:t>
             </a:fld>
             <a:endParaRPr lang="en-US"/>
           </a:p>
@@ -3460,7 +3460,7 @@
           <a:lstStyle/>
           <a:p>
             <a:r>
-              <a:rPr lang="en-US" smtClean="0"/>
+              <a:rPr lang="en-US"/>
               <a:t>Click to edit Master title style</a:t>
             </a:r>
             <a:endParaRPr lang="en-US" dirty="0"/>
@@ -3494,39 +3494,35 @@
           <a:p>
             <a:pPr lvl="0"/>
             <a:r>
-              <a:rPr lang="en-US" smtClean="0"/>
+              <a:rPr lang="en-US"/>
               <a:t>Click to edit Master text styles</a:t>
             </a:r>
-            <a:endParaRPr lang="en-US" smtClean="0"/>
           </a:p>
           <a:p>
             <a:pPr lvl="1"/>
             <a:r>
-              <a:rPr lang="en-US" smtClean="0"/>
+              <a:rPr lang="en-US"/>
               <a:t>Second level</a:t>
             </a:r>
-            <a:endParaRPr lang="en-US" smtClean="0"/>
           </a:p>
           <a:p>
             <a:pPr lvl="2"/>
             <a:r>
-              <a:rPr lang="en-US" smtClean="0"/>
+              <a:rPr lang="en-US"/>
               <a:t>Third level</a:t>
             </a:r>
-            <a:endParaRPr lang="en-US" smtClean="0"/>
           </a:p>
           <a:p>
             <a:pPr lvl="3"/>
             <a:r>
-              <a:rPr lang="en-US" smtClean="0"/>
+              <a:rPr lang="en-US"/>
               <a:t>Fourth level</a:t>
             </a:r>
-            <a:endParaRPr lang="en-US" smtClean="0"/>
           </a:p>
           <a:p>
             <a:pPr lvl="4"/>
             <a:r>
-              <a:rPr lang="en-US" smtClean="0"/>
+              <a:rPr lang="en-US"/>
               <a:t>Fifth level</a:t>
             </a:r>
             <a:endParaRPr lang="en-US" dirty="0"/>
@@ -3612,6 +3608,7 @@
           <a:p>
             <a:fld id="{ACFA612F-6BDA-6245-A30F-ADF16CDF039D}" type="datetime1">
               <a:rPr lang="en-US" smtClean="0"/>
+              <a:t>10/22/2021</a:t>
             </a:fld>
             <a:endParaRPr lang="en-US"/>
           </a:p>
@@ -3685,6 +3682,7 @@
           <a:p>
             <a:fld id="{9B1A09FB-B7E1-A84A-81E7-727DE4609E44}" type="slidenum">
               <a:rPr lang="en-US" smtClean="0"/>
+              <a:t>‹#›</a:t>
             </a:fld>
             <a:endParaRPr lang="en-US"/>
           </a:p>
@@ -4026,7 +4024,7 @@
           <a:lstStyle/>
           <a:p>
             <a:r>
-              <a:rPr lang="en-US" dirty="0" smtClean="0"/>
+              <a:rPr lang="en-US" dirty="0"/>
               <a:t>Project Part A</a:t>
             </a:r>
             <a:endParaRPr lang="en-US" sz="3200" dirty="0"/>
@@ -4056,21 +4054,19 @@
           <a:lstStyle/>
           <a:p>
             <a:r>
-              <a:rPr lang="en-US" dirty="0" err="1" smtClean="0"/>
+              <a:rPr lang="en-US" dirty="0" err="1"/>
               <a:t>Yuqun</a:t>
             </a:r>
             <a:r>
-              <a:rPr lang="en-US" dirty="0" smtClean="0"/>
+              <a:rPr lang="en-US" dirty="0"/>
               <a:t> Zhang</a:t>
             </a:r>
-            <a:endParaRPr lang="en-US" dirty="0" smtClean="0"/>
-          </a:p>
-          <a:p>
-            <a:r>
-              <a:rPr lang="en-US" dirty="0" smtClean="0"/>
+          </a:p>
+          <a:p>
+            <a:r>
+              <a:rPr lang="en-US" dirty="0"/>
               <a:t>CS304 Software Engineering</a:t>
             </a:r>
-            <a:endParaRPr lang="en-US" dirty="0" smtClean="0"/>
           </a:p>
         </p:txBody>
       </p:sp>
@@ -4079,13 +4075,6 @@
   <p:clrMapOvr>
     <a:masterClrMapping/>
   </p:clrMapOvr>
-  <p:timing>
-    <p:tnLst>
-      <p:par>
-        <p:cTn id="1" dur="indefinite" restart="never" nodeType="tmRoot"/>
-      </p:par>
-    </p:tnLst>
-  </p:timing>
 </p:sld>
 </file>
 
@@ -4122,10 +4111,9 @@
           <a:lstStyle/>
           <a:p>
             <a:r>
-              <a:rPr lang="en-US" dirty="0" smtClean="0"/>
+              <a:rPr lang="en-US" dirty="0"/>
               <a:t>Technologies</a:t>
             </a:r>
-            <a:endParaRPr lang="en-US" dirty="0"/>
           </a:p>
         </p:txBody>
       </p:sp>
@@ -4145,7 +4133,7 @@
           <a:lstStyle/>
           <a:p>
             <a:r>
-              <a:rPr lang="en-US" b="1" dirty="0" smtClean="0">
+              <a:rPr lang="en-US" b="1" dirty="0">
                 <a:solidFill>
                   <a:schemeClr val="accent1"/>
                 </a:solidFill>
@@ -4153,37 +4141,37 @@
               <a:t>Tools</a:t>
             </a:r>
             <a:r>
-              <a:rPr lang="en-US" dirty="0" smtClean="0"/>
+              <a:rPr lang="en-US" dirty="0"/>
               <a:t>: SVN/</a:t>
             </a:r>
             <a:r>
-              <a:rPr lang="en-US" dirty="0" err="1" smtClean="0"/>
+              <a:rPr lang="en-US" dirty="0" err="1"/>
               <a:t>Git</a:t>
             </a:r>
             <a:r>
-              <a:rPr lang="en-US" dirty="0" smtClean="0"/>
+              <a:rPr lang="en-US" dirty="0"/>
               <a:t>, Google Docs, Java, IDE, ANTLR (NLP), </a:t>
             </a:r>
             <a:r>
-              <a:rPr lang="en-US" dirty="0" err="1" smtClean="0"/>
+              <a:rPr lang="en-US" dirty="0" err="1"/>
               <a:t>Junit</a:t>
             </a:r>
             <a:r>
-              <a:rPr lang="en-US" dirty="0" smtClean="0"/>
+              <a:rPr lang="en-US" dirty="0"/>
               <a:t>, Selenium, </a:t>
             </a:r>
             <a:r>
-              <a:rPr lang="en-US" dirty="0" err="1" smtClean="0"/>
+              <a:rPr lang="en-US" dirty="0" err="1"/>
               <a:t>Lucene</a:t>
             </a:r>
-            <a:endParaRPr lang="en-US" dirty="0" smtClean="0"/>
-          </a:p>
-          <a:p>
             <a:endParaRPr lang="en-US" dirty="0"/>
           </a:p>
           <a:p>
-            <a:r>
-              <a:rPr lang="en-US" b="1" dirty="0" err="1" smtClean="0">
+            <a:endParaRPr lang="en-US" dirty="0"/>
+          </a:p>
+          <a:p>
+            <a:r>
+              <a:rPr lang="en-US" b="1" dirty="0" err="1">
                 <a:solidFill>
                   <a:schemeClr val="accent2"/>
                 </a:solidFill>
@@ -4191,33 +4179,32 @@
               <a:t>Lirbaries</a:t>
             </a:r>
             <a:r>
-              <a:rPr lang="en-US" dirty="0" smtClean="0"/>
+              <a:rPr lang="en-US" dirty="0"/>
               <a:t>: log4j URL, Servlet engine, HTML DOM Parser, JavaScript, UI libraries, AdWords, </a:t>
             </a:r>
             <a:r>
-              <a:rPr lang="en-US" dirty="0" err="1" smtClean="0"/>
+              <a:rPr lang="en-US" dirty="0" err="1"/>
               <a:t>FBAds</a:t>
             </a:r>
             <a:r>
-              <a:rPr lang="en-US" dirty="0" smtClean="0"/>
+              <a:rPr lang="en-US" dirty="0"/>
               <a:t>, </a:t>
             </a:r>
             <a:r>
-              <a:rPr lang="en-US" dirty="0" err="1" smtClean="0"/>
+              <a:rPr lang="en-US" dirty="0" err="1"/>
               <a:t>OpenSocial</a:t>
             </a:r>
             <a:r>
-              <a:rPr lang="en-US" dirty="0" smtClean="0"/>
+              <a:rPr lang="en-US" dirty="0"/>
               <a:t>, GNIP</a:t>
             </a:r>
-            <a:endParaRPr lang="en-US" dirty="0" smtClean="0"/>
           </a:p>
           <a:p>
             <a:endParaRPr lang="en-US" dirty="0"/>
           </a:p>
           <a:p>
             <a:r>
-              <a:rPr lang="en-US" b="1" dirty="0" smtClean="0">
+              <a:rPr lang="en-US" b="1" dirty="0">
                 <a:solidFill>
                   <a:schemeClr val="accent4"/>
                 </a:solidFill>
@@ -4225,10 +4212,9 @@
               <a:t>Services</a:t>
             </a:r>
             <a:r>
-              <a:rPr lang="en-US" dirty="0" smtClean="0"/>
+              <a:rPr lang="en-US" dirty="0"/>
               <a:t>: storage, search, computation</a:t>
             </a:r>
-            <a:endParaRPr lang="en-US" dirty="0"/>
           </a:p>
         </p:txBody>
       </p:sp>
@@ -4249,6 +4235,7 @@
           <a:p>
             <a:fld id="{9B1A09FB-B7E1-A84A-81E7-727DE4609E44}" type="slidenum">
               <a:rPr lang="en-US" smtClean="0"/>
+              <a:t>10</a:t>
             </a:fld>
             <a:endParaRPr lang="en-US"/>
           </a:p>
@@ -4295,10 +4282,9 @@
           <a:lstStyle/>
           <a:p>
             <a:r>
-              <a:rPr lang="en-US" dirty="0" smtClean="0"/>
+              <a:rPr lang="en-US" dirty="0"/>
               <a:t>Samples</a:t>
             </a:r>
-            <a:endParaRPr lang="en-US" dirty="0"/>
           </a:p>
         </p:txBody>
       </p:sp>
@@ -4318,81 +4304,57 @@
           <a:lstStyle/>
           <a:p>
             <a:r>
-              <a:rPr lang="en-US" dirty="0" smtClean="0">
-                <a:hlinkClick r:id="rId1"/>
+              <a:rPr lang="en-US" dirty="0">
+                <a:hlinkClick r:id="rId2"/>
               </a:rPr>
               <a:t>http://bit.ly./apt2012</a:t>
             </a:r>
-            <a:endParaRPr lang="en-US" dirty="0" smtClean="0"/>
-          </a:p>
-          <a:p>
-            <a:endParaRPr lang="en-US" dirty="0" smtClean="0"/>
-          </a:p>
-          <a:p>
             <a:endParaRPr lang="en-US" dirty="0"/>
           </a:p>
           <a:p>
-            <a:r>
-              <a:rPr lang="en-US" u="sng" dirty="0">
-                <a:hlinkClick r:id="rId2"/>
-              </a:rPr>
-              <a:t>http://</a:t>
-            </a:r>
-            <a:r>
-              <a:rPr lang="en-US" u="sng" dirty="0" smtClean="0">
-                <a:hlinkClick r:id="rId2"/>
-              </a:rPr>
-              <a:t>atsnax.com</a:t>
-            </a:r>
-            <a:endParaRPr lang="en-US" u="sng" dirty="0"/>
-          </a:p>
-          <a:p>
-            <a:r>
-              <a:rPr lang="en-US" u="sng" dirty="0" smtClean="0">
-                <a:hlinkClick r:id="rId3"/>
-              </a:rPr>
-              <a:t>http</a:t>
-            </a:r>
+            <a:endParaRPr lang="en-US" dirty="0"/>
+          </a:p>
+          <a:p>
+            <a:endParaRPr lang="en-US" dirty="0"/>
+          </a:p>
+          <a:p>
             <a:r>
               <a:rPr lang="en-US" u="sng" dirty="0">
                 <a:hlinkClick r:id="rId3"/>
               </a:rPr>
-              <a:t>://puzzleme461.appspot.com</a:t>
-            </a:r>
-            <a:r>
-              <a:rPr lang="en-US" u="sng" dirty="0" smtClean="0">
-                <a:hlinkClick r:id="rId3"/>
-              </a:rPr>
-              <a:t>/</a:t>
-            </a:r>
-            <a:endParaRPr lang="en-US" dirty="0"/>
-          </a:p>
-          <a:p>
-            <a:r>
-              <a:rPr lang="en-US" u="sng" dirty="0" err="1" smtClean="0"/>
-              <a:t>codewithfriends.tk</a:t>
-            </a:r>
-            <a:endParaRPr lang="en-US" dirty="0"/>
-          </a:p>
-          <a:p>
-            <a:r>
-              <a:rPr lang="en-US" dirty="0" err="1" smtClean="0"/>
-              <a:t>WhoHasItAll.com</a:t>
-            </a:r>
-            <a:endParaRPr lang="en-US" dirty="0" smtClean="0"/>
-          </a:p>
-          <a:p>
-            <a:r>
-              <a:rPr lang="en-US" u="sng" dirty="0" smtClean="0">
-                <a:hlinkClick r:id="rId4"/>
-              </a:rPr>
-              <a:t>http</a:t>
-            </a:r>
+              <a:t>http://atsnax.com</a:t>
+            </a:r>
+            <a:endParaRPr lang="en-US" u="sng" dirty="0"/>
+          </a:p>
+          <a:p>
             <a:r>
               <a:rPr lang="en-US" u="sng" dirty="0">
                 <a:hlinkClick r:id="rId4"/>
               </a:rPr>
-              <a:t>://walletsave.herokuapp.com/</a:t>
+              <a:t>http://puzzleme461.appspot.com/</a:t>
+            </a:r>
+            <a:endParaRPr lang="en-US" dirty="0"/>
+          </a:p>
+          <a:p>
+            <a:r>
+              <a:rPr lang="en-US" u="sng" dirty="0" err="1"/>
+              <a:t>codewithfriends.tk</a:t>
+            </a:r>
+            <a:endParaRPr lang="en-US" dirty="0"/>
+          </a:p>
+          <a:p>
+            <a:r>
+              <a:rPr lang="en-US" dirty="0" err="1"/>
+              <a:t>WhoHasItAll.com</a:t>
+            </a:r>
+            <a:endParaRPr lang="en-US" dirty="0"/>
+          </a:p>
+          <a:p>
+            <a:r>
+              <a:rPr lang="en-US" u="sng" dirty="0">
+                <a:hlinkClick r:id="rId5"/>
+              </a:rPr>
+              <a:t>http://walletsave.herokuapp.com/</a:t>
             </a:r>
             <a:endParaRPr lang="en-US" dirty="0"/>
           </a:p>
@@ -4415,6 +4377,7 @@
           <a:p>
             <a:fld id="{9B1A09FB-B7E1-A84A-81E7-727DE4609E44}" type="slidenum">
               <a:rPr lang="en-US" smtClean="0"/>
+              <a:t>11</a:t>
             </a:fld>
             <a:endParaRPr lang="en-US"/>
           </a:p>
@@ -4461,10 +4424,9 @@
           <a:lstStyle/>
           <a:p>
             <a:r>
-              <a:rPr lang="en-US" dirty="0" smtClean="0"/>
+              <a:rPr lang="en-US" dirty="0"/>
               <a:t>Presentation</a:t>
             </a:r>
-            <a:endParaRPr lang="en-US" dirty="0"/>
           </a:p>
         </p:txBody>
       </p:sp>
@@ -4486,42 +4448,33 @@
           <a:lstStyle/>
           <a:p>
             <a:r>
-              <a:rPr lang="en-US" dirty="0" smtClean="0"/>
+              <a:rPr lang="en-US" dirty="0"/>
               <a:t>October 14 to 15 </a:t>
             </a:r>
-            <a:endParaRPr lang="en-US" dirty="0"/>
           </a:p>
           <a:p>
             <a:r>
               <a:rPr lang="en-US" dirty="0"/>
               <a:t>Slides ready by 10pm, October 13</a:t>
             </a:r>
-            <a:endParaRPr lang="en-US" dirty="0"/>
-          </a:p>
-          <a:p>
-            <a:r>
-              <a:rPr lang="en-US" dirty="0" smtClean="0"/>
-              <a:t>5 to 10 </a:t>
-            </a:r>
-            <a:r>
-              <a:rPr lang="en-US" dirty="0"/>
-              <a:t>mins presentation, 1 min Q&amp;A</a:t>
-            </a:r>
-            <a:endParaRPr lang="en-US" dirty="0"/>
+          </a:p>
+          <a:p>
+            <a:r>
+              <a:rPr lang="en-US" dirty="0"/>
+              <a:t>5 to 10 mins presentation, 1 min Q&amp;A</a:t>
+            </a:r>
           </a:p>
           <a:p>
             <a:r>
               <a:rPr lang="en-US" dirty="0"/>
               <a:t>Every group member needs to be present during presentation.</a:t>
             </a:r>
-            <a:endParaRPr lang="en-US" dirty="0"/>
           </a:p>
           <a:p>
             <a:r>
               <a:rPr lang="en-US" dirty="0"/>
               <a:t>You need to cover (inclusive but not restricted)</a:t>
             </a:r>
-            <a:endParaRPr lang="en-US" dirty="0"/>
           </a:p>
           <a:p>
             <a:pPr lvl="1"/>
@@ -4529,7 +4482,6 @@
               <a:rPr lang="en-US" dirty="0"/>
               <a:t>Feature description (maybe some UIs if you already have them)</a:t>
             </a:r>
-            <a:endParaRPr lang="en-US" dirty="0"/>
           </a:p>
           <a:p>
             <a:pPr lvl="1"/>
@@ -4537,7 +4489,6 @@
               <a:rPr lang="en-US" dirty="0"/>
               <a:t>Techniques</a:t>
             </a:r>
-            <a:endParaRPr lang="en-US" dirty="0"/>
           </a:p>
           <a:p>
             <a:pPr lvl="1"/>
@@ -4545,14 +4496,12 @@
               <a:rPr lang="en-US" dirty="0"/>
               <a:t>Timeline</a:t>
             </a:r>
-            <a:endParaRPr lang="en-US" dirty="0"/>
           </a:p>
           <a:p>
             <a:r>
               <a:rPr lang="en-US" dirty="0"/>
               <a:t>You should make your slides look pretty</a:t>
             </a:r>
-            <a:endParaRPr lang="en-US" dirty="0"/>
           </a:p>
           <a:p>
             <a:endParaRPr lang="en-US" dirty="0"/>
@@ -4576,6 +4525,7 @@
           <a:p>
             <a:fld id="{9B1A09FB-B7E1-A84A-81E7-727DE4609E44}" type="slidenum">
               <a:rPr lang="en-US" smtClean="0"/>
+              <a:t>12</a:t>
             </a:fld>
             <a:endParaRPr lang="en-US"/>
           </a:p>
@@ -4622,10 +4572,9 @@
           <a:lstStyle/>
           <a:p>
             <a:r>
-              <a:rPr lang="en-US" dirty="0" smtClean="0"/>
+              <a:rPr lang="en-US" dirty="0"/>
               <a:t>Questions?</a:t>
             </a:r>
-            <a:endParaRPr lang="en-US" dirty="0"/>
           </a:p>
         </p:txBody>
       </p:sp>
@@ -4665,6 +4614,7 @@
           <a:p>
             <a:fld id="{9B1A09FB-B7E1-A84A-81E7-727DE4609E44}" type="slidenum">
               <a:rPr lang="en-US" smtClean="0"/>
+              <a:t>13</a:t>
             </a:fld>
             <a:endParaRPr lang="en-US"/>
           </a:p>
@@ -4675,13 +4625,6 @@
   <p:clrMapOvr>
     <a:masterClrMapping/>
   </p:clrMapOvr>
-  <p:timing>
-    <p:tnLst>
-      <p:par>
-        <p:cTn id="1" dur="indefinite" restart="never" nodeType="tmRoot"/>
-      </p:par>
-    </p:tnLst>
-  </p:timing>
 </p:sld>
 </file>
 
@@ -4718,100 +4661,91 @@
           <a:lstStyle/>
           <a:p>
             <a:r>
-              <a:rPr lang="en-US" dirty="0" smtClean="0"/>
+              <a:rPr lang="en-US" dirty="0"/>
               <a:t>Summary</a:t>
             </a:r>
+          </a:p>
+        </p:txBody>
+      </p:sp>
+      <p:sp>
+        <p:nvSpPr>
+          <p:cNvPr id="3" name="Content Placeholder 2"/>
+          <p:cNvSpPr>
+            <a:spLocks noGrp="1"/>
+          </p:cNvSpPr>
+          <p:nvPr>
+            <p:ph idx="1"/>
+          </p:nvPr>
+        </p:nvSpPr>
+        <p:spPr/>
+        <p:txBody>
+          <a:bodyPr/>
+          <a:lstStyle/>
+          <a:p>
+            <a:r>
+              <a:rPr lang="en-US" dirty="0"/>
+              <a:t>Use the skills acquired inside and outside of the class and labs to create a working web application/video game out of the course projects.</a:t>
+            </a:r>
+          </a:p>
+          <a:p>
+            <a:r>
+              <a:rPr lang="en-US" dirty="0"/>
+              <a:t>Purpose:</a:t>
+            </a:r>
+          </a:p>
+          <a:p>
+            <a:pPr lvl="1"/>
+            <a:r>
+              <a:rPr lang="en-US" dirty="0"/>
+              <a:t>Well, it’s a big chunk of your grade…</a:t>
+            </a:r>
+          </a:p>
+          <a:p>
+            <a:pPr lvl="1"/>
+            <a:r>
+              <a:rPr lang="en-US" dirty="0"/>
+              <a:t>Working on this project should be training on how to go about approaching a design project</a:t>
+            </a:r>
+          </a:p>
+          <a:p>
+            <a:pPr lvl="1"/>
+            <a:r>
+              <a:rPr lang="en-US" dirty="0"/>
+              <a:t>The project should yield real </a:t>
+            </a:r>
+            <a:r>
+              <a:rPr lang="en-US" b="1" dirty="0"/>
+              <a:t>results</a:t>
+            </a:r>
             <a:endParaRPr lang="en-US" dirty="0"/>
           </a:p>
-        </p:txBody>
-      </p:sp>
-      <p:sp>
-        <p:nvSpPr>
-          <p:cNvPr id="3" name="Content Placeholder 2"/>
-          <p:cNvSpPr>
-            <a:spLocks noGrp="1"/>
-          </p:cNvSpPr>
-          <p:nvPr>
-            <p:ph idx="1"/>
-          </p:nvPr>
-        </p:nvSpPr>
-        <p:spPr/>
-        <p:txBody>
-          <a:bodyPr/>
-          <a:lstStyle/>
-          <a:p>
-            <a:r>
-              <a:rPr lang="en-US" dirty="0" smtClean="0"/>
-              <a:t>Use the skills acquired inside and outside of the class and labs to create a working web application/video game out of the course projects.</a:t>
-            </a:r>
-            <a:endParaRPr lang="en-US" dirty="0" smtClean="0"/>
-          </a:p>
-          <a:p>
-            <a:r>
-              <a:rPr lang="en-US" dirty="0" smtClean="0"/>
-              <a:t>Purpose:</a:t>
-            </a:r>
-            <a:endParaRPr lang="en-US" dirty="0" smtClean="0"/>
-          </a:p>
-          <a:p>
-            <a:pPr lvl="1"/>
-            <a:r>
-              <a:rPr lang="en-US" dirty="0" smtClean="0"/>
-              <a:t>Well, it’s a big chunk of your grade…</a:t>
-            </a:r>
-            <a:endParaRPr lang="en-US" dirty="0" smtClean="0"/>
-          </a:p>
-          <a:p>
-            <a:pPr lvl="1"/>
-            <a:r>
-              <a:rPr lang="en-US" dirty="0" smtClean="0"/>
-              <a:t>Working on this project should be training on how to go about approaching a design project</a:t>
-            </a:r>
-            <a:endParaRPr lang="en-US" dirty="0" smtClean="0"/>
-          </a:p>
-          <a:p>
-            <a:pPr lvl="1"/>
-            <a:r>
-              <a:rPr lang="en-US" dirty="0" smtClean="0"/>
-              <a:t>The project should yield real </a:t>
-            </a:r>
-            <a:r>
-              <a:rPr lang="en-US" b="1" dirty="0" smtClean="0"/>
-              <a:t>results</a:t>
-            </a:r>
-            <a:endParaRPr lang="en-US" dirty="0" smtClean="0"/>
-          </a:p>
           <a:p>
             <a:pPr lvl="2"/>
             <a:r>
-              <a:rPr lang="en-US" dirty="0" smtClean="0"/>
+              <a:rPr lang="en-US" dirty="0"/>
               <a:t>Identifying a need</a:t>
             </a:r>
-            <a:endParaRPr lang="en-US" dirty="0" smtClean="0"/>
           </a:p>
           <a:p>
             <a:pPr lvl="2"/>
             <a:r>
-              <a:rPr lang="en-US" dirty="0" smtClean="0"/>
+              <a:rPr lang="en-US" dirty="0"/>
               <a:t>Designing a solution</a:t>
             </a:r>
-            <a:endParaRPr lang="en-US" dirty="0" smtClean="0"/>
           </a:p>
           <a:p>
             <a:pPr lvl="2"/>
             <a:r>
-              <a:rPr lang="en-US" dirty="0" smtClean="0"/>
+              <a:rPr lang="en-US" dirty="0"/>
               <a:t>Building a working prototype of this solution</a:t>
             </a:r>
-            <a:endParaRPr lang="en-US" dirty="0" smtClean="0"/>
           </a:p>
           <a:p>
             <a:pPr lvl="2"/>
             <a:r>
-              <a:rPr lang="en-US" dirty="0" smtClean="0"/>
+              <a:rPr lang="en-US" dirty="0"/>
               <a:t>Identifying key issues around taking prototype to a useful product</a:t>
             </a:r>
-            <a:endParaRPr lang="en-US" dirty="0" smtClean="0"/>
           </a:p>
         </p:txBody>
       </p:sp>
@@ -4832,6 +4766,7 @@
           <a:p>
             <a:fld id="{9B1A09FB-B7E1-A84A-81E7-727DE4609E44}" type="slidenum">
               <a:rPr lang="en-US" smtClean="0"/>
+              <a:t>2</a:t>
             </a:fld>
             <a:endParaRPr lang="en-US"/>
           </a:p>
@@ -4842,13 +4777,6 @@
   <p:clrMapOvr>
     <a:masterClrMapping/>
   </p:clrMapOvr>
-  <p:timing>
-    <p:tnLst>
-      <p:par>
-        <p:cTn id="1" dur="indefinite" restart="never" nodeType="tmRoot"/>
-      </p:par>
-    </p:tnLst>
-  </p:timing>
 </p:sld>
 </file>
 
@@ -4885,10 +4813,9 @@
           <a:lstStyle/>
           <a:p>
             <a:r>
-              <a:rPr lang="en-US" dirty="0" smtClean="0"/>
+              <a:rPr lang="en-US" dirty="0"/>
               <a:t>Project A Deliverables</a:t>
             </a:r>
-            <a:endParaRPr lang="en-US" dirty="0"/>
           </a:p>
         </p:txBody>
       </p:sp>
@@ -4910,18 +4837,17 @@
           <a:lstStyle/>
           <a:p>
             <a:r>
-              <a:rPr lang="en-US" dirty="0" smtClean="0"/>
+              <a:rPr lang="en-US" dirty="0"/>
               <a:t>Proposal (max 6 pages, 11 </a:t>
             </a:r>
             <a:r>
-              <a:rPr lang="en-US" dirty="0" err="1" smtClean="0"/>
+              <a:rPr lang="en-US" dirty="0" err="1"/>
               <a:t>pt</a:t>
             </a:r>
             <a:r>
-              <a:rPr lang="en-US" dirty="0" smtClean="0"/>
+              <a:rPr lang="en-US" dirty="0"/>
               <a:t> font, including figures)</a:t>
             </a:r>
-            <a:endParaRPr lang="en-US" dirty="0" smtClean="0"/>
           </a:p>
           <a:p>
             <a:endParaRPr lang="en-US" dirty="0"/>
@@ -4932,10 +4858,9 @@
               <a:buAutoNum type="arabicPeriod"/>
             </a:pPr>
             <a:r>
-              <a:rPr lang="en-US" dirty="0" smtClean="0"/>
+              <a:rPr lang="en-US" dirty="0"/>
               <a:t>Project title</a:t>
             </a:r>
-            <a:endParaRPr lang="en-US" dirty="0" smtClean="0"/>
           </a:p>
           <a:p>
             <a:pPr marL="457200" indent="-457200">
@@ -4943,10 +4868,9 @@
               <a:buAutoNum type="arabicPeriod"/>
             </a:pPr>
             <a:r>
-              <a:rPr lang="en-US" dirty="0" smtClean="0"/>
+              <a:rPr lang="en-US" dirty="0"/>
               <a:t>Executive abstract (50-200 words)</a:t>
             </a:r>
-            <a:endParaRPr lang="en-US" dirty="0" smtClean="0"/>
           </a:p>
           <a:p>
             <a:pPr marL="457200" indent="-457200">
@@ -4954,10 +4878,9 @@
               <a:buAutoNum type="arabicPeriod"/>
             </a:pPr>
             <a:r>
-              <a:rPr lang="en-US" dirty="0" smtClean="0"/>
+              <a:rPr lang="en-US" dirty="0"/>
               <a:t>Team (4 to 5 students)</a:t>
             </a:r>
-            <a:endParaRPr lang="en-US" dirty="0" smtClean="0"/>
           </a:p>
           <a:p>
             <a:pPr marL="457200" indent="-457200">
@@ -4965,10 +4888,9 @@
               <a:buAutoNum type="arabicPeriod"/>
             </a:pPr>
             <a:r>
-              <a:rPr lang="en-US" dirty="0" smtClean="0"/>
+              <a:rPr lang="en-US" dirty="0"/>
               <a:t>Description (see later slides)</a:t>
             </a:r>
-            <a:endParaRPr lang="en-US" dirty="0" smtClean="0"/>
           </a:p>
           <a:p>
             <a:pPr marL="457200" indent="-457200">
@@ -4976,38 +4898,17 @@
               <a:buAutoNum type="arabicPeriod"/>
             </a:pPr>
             <a:r>
-              <a:rPr lang="en-US" dirty="0" smtClean="0"/>
+              <a:rPr lang="en-US" dirty="0"/>
               <a:t>Upload to Sakai by </a:t>
             </a:r>
             <a:r>
-              <a:rPr lang="en-US" dirty="0" smtClean="0">
+              <a:rPr lang="en-US" dirty="0">
                 <a:solidFill>
                   <a:srgbClr val="FF0000"/>
                 </a:solidFill>
               </a:rPr>
-              <a:t>12a</a:t>
-            </a:r>
-            <a:r>
-              <a:rPr lang="en-US" dirty="0" smtClean="0">
-                <a:solidFill>
-                  <a:srgbClr val="FF0000"/>
-                </a:solidFill>
-              </a:rPr>
-              <a:t>m</a:t>
-            </a:r>
-            <a:r>
-              <a:rPr lang="en-US" dirty="0" smtClean="0">
-                <a:solidFill>
-                  <a:srgbClr val="FF0000"/>
-                </a:solidFill>
-              </a:rPr>
-              <a:t>, October 24 (late submission would lead to reduction of your final grades which are determined by our mood)</a:t>
-            </a:r>
-            <a:endParaRPr lang="en-US" dirty="0" smtClean="0">
-              <a:solidFill>
-                <a:srgbClr val="FF0000"/>
-              </a:solidFill>
-            </a:endParaRPr>
+              <a:t>12am, October 24 (late submission would lead to reduction of your final grades which are determined by our mood)</a:t>
+            </a:r>
           </a:p>
           <a:p>
             <a:pPr marL="457200" indent="-457200">
@@ -5018,10 +4919,9 @@
           </a:p>
           <a:p>
             <a:r>
-              <a:rPr lang="en-US" dirty="0" smtClean="0"/>
+              <a:rPr lang="en-US" dirty="0"/>
               <a:t>Presentation </a:t>
             </a:r>
-            <a:endParaRPr lang="en-US" dirty="0"/>
           </a:p>
         </p:txBody>
       </p:sp>
@@ -5042,6 +4942,7 @@
           <a:p>
             <a:fld id="{9B1A09FB-B7E1-A84A-81E7-727DE4609E44}" type="slidenum">
               <a:rPr lang="en-US" smtClean="0"/>
+              <a:t>3</a:t>
             </a:fld>
             <a:endParaRPr lang="en-US"/>
           </a:p>
@@ -5052,13 +4953,6 @@
   <p:clrMapOvr>
     <a:masterClrMapping/>
   </p:clrMapOvr>
-  <p:timing>
-    <p:tnLst>
-      <p:par>
-        <p:cTn id="1" dur="indefinite" restart="never" nodeType="tmRoot"/>
-      </p:par>
-    </p:tnLst>
-  </p:timing>
 </p:sld>
 </file>
 
@@ -5095,53 +4989,49 @@
           <a:lstStyle/>
           <a:p>
             <a:r>
-              <a:rPr lang="en-US" dirty="0" smtClean="0"/>
+              <a:rPr lang="en-US" dirty="0"/>
               <a:t>Description: Motivation</a:t>
             </a:r>
+          </a:p>
+        </p:txBody>
+      </p:sp>
+      <p:sp>
+        <p:nvSpPr>
+          <p:cNvPr id="3" name="Content Placeholder 2"/>
+          <p:cNvSpPr>
+            <a:spLocks noGrp="1"/>
+          </p:cNvSpPr>
+          <p:nvPr>
+            <p:ph idx="1"/>
+          </p:nvPr>
+        </p:nvSpPr>
+        <p:spPr/>
+        <p:txBody>
+          <a:bodyPr/>
+          <a:lstStyle/>
+          <a:p>
+            <a:r>
+              <a:rPr lang="en-US" dirty="0"/>
+              <a:t>What is the problem?</a:t>
+            </a:r>
+          </a:p>
+          <a:p>
             <a:endParaRPr lang="en-US" dirty="0"/>
           </a:p>
-        </p:txBody>
-      </p:sp>
-      <p:sp>
-        <p:nvSpPr>
-          <p:cNvPr id="3" name="Content Placeholder 2"/>
-          <p:cNvSpPr>
-            <a:spLocks noGrp="1"/>
-          </p:cNvSpPr>
-          <p:nvPr>
-            <p:ph idx="1"/>
-          </p:nvPr>
-        </p:nvSpPr>
-        <p:spPr/>
-        <p:txBody>
-          <a:bodyPr/>
-          <a:lstStyle/>
-          <a:p>
-            <a:r>
-              <a:rPr lang="en-US" dirty="0" smtClean="0"/>
-              <a:t>What is the problem?</a:t>
-            </a:r>
-            <a:endParaRPr lang="en-US" dirty="0" smtClean="0"/>
+          <a:p>
+            <a:r>
+              <a:rPr lang="en-US" dirty="0"/>
+              <a:t>What is your vision for solving the problem?</a:t>
+            </a:r>
           </a:p>
           <a:p>
             <a:endParaRPr lang="en-US" dirty="0"/>
           </a:p>
           <a:p>
             <a:r>
-              <a:rPr lang="en-US" dirty="0" smtClean="0"/>
-              <a:t>What is your vision for solving the problem?</a:t>
-            </a:r>
-            <a:endParaRPr lang="en-US" dirty="0" smtClean="0"/>
-          </a:p>
-          <a:p>
-            <a:endParaRPr lang="en-US" dirty="0"/>
-          </a:p>
-          <a:p>
-            <a:r>
-              <a:rPr lang="en-US" dirty="0" smtClean="0"/>
+              <a:rPr lang="en-US" dirty="0"/>
               <a:t>What are your solutions?</a:t>
             </a:r>
-            <a:endParaRPr lang="en-US" dirty="0"/>
           </a:p>
         </p:txBody>
       </p:sp>
@@ -5162,6 +5052,7 @@
           <a:p>
             <a:fld id="{9B1A09FB-B7E1-A84A-81E7-727DE4609E44}" type="slidenum">
               <a:rPr lang="en-US" smtClean="0"/>
+              <a:t>4</a:t>
             </a:fld>
             <a:endParaRPr lang="en-US"/>
           </a:p>
@@ -5172,13 +5063,6 @@
   <p:clrMapOvr>
     <a:masterClrMapping/>
   </p:clrMapOvr>
-  <p:timing>
-    <p:tnLst>
-      <p:par>
-        <p:cTn id="1" dur="indefinite" restart="never" nodeType="tmRoot"/>
-      </p:par>
-    </p:tnLst>
-  </p:timing>
 </p:sld>
 </file>
 
@@ -5215,61 +5099,57 @@
           <a:lstStyle/>
           <a:p>
             <a:r>
-              <a:rPr lang="en-US" dirty="0" smtClean="0"/>
+              <a:rPr lang="en-US" dirty="0"/>
               <a:t>Description: Feature Description</a:t>
             </a:r>
+          </a:p>
+        </p:txBody>
+      </p:sp>
+      <p:sp>
+        <p:nvSpPr>
+          <p:cNvPr id="3" name="Content Placeholder 2"/>
+          <p:cNvSpPr>
+            <a:spLocks noGrp="1"/>
+          </p:cNvSpPr>
+          <p:nvPr>
+            <p:ph idx="1"/>
+          </p:nvPr>
+        </p:nvSpPr>
+        <p:spPr/>
+        <p:txBody>
+          <a:bodyPr/>
+          <a:lstStyle/>
+          <a:p>
+            <a:r>
+              <a:rPr lang="en-US" dirty="0"/>
+              <a:t>Start with 2-4 user “stories”</a:t>
+            </a:r>
+          </a:p>
+          <a:p>
             <a:endParaRPr lang="en-US" dirty="0"/>
           </a:p>
-        </p:txBody>
-      </p:sp>
-      <p:sp>
-        <p:nvSpPr>
-          <p:cNvPr id="3" name="Content Placeholder 2"/>
-          <p:cNvSpPr>
-            <a:spLocks noGrp="1"/>
-          </p:cNvSpPr>
-          <p:nvPr>
-            <p:ph idx="1"/>
-          </p:nvPr>
-        </p:nvSpPr>
-        <p:spPr/>
-        <p:txBody>
-          <a:bodyPr/>
-          <a:lstStyle/>
-          <a:p>
-            <a:r>
-              <a:rPr lang="en-US" dirty="0" smtClean="0"/>
-              <a:t>Start with 2-4 user “stories”</a:t>
-            </a:r>
-            <a:endParaRPr lang="en-US" dirty="0" smtClean="0"/>
+          <a:p>
+            <a:r>
+              <a:rPr lang="en-US" dirty="0"/>
+              <a:t>Formalize with UML use cases</a:t>
+            </a:r>
           </a:p>
           <a:p>
             <a:endParaRPr lang="en-US" dirty="0"/>
           </a:p>
           <a:p>
             <a:r>
-              <a:rPr lang="en-US" dirty="0" smtClean="0"/>
-              <a:t>Formalize with UML use cases</a:t>
-            </a:r>
-            <a:endParaRPr lang="en-US" dirty="0" smtClean="0"/>
-          </a:p>
-          <a:p>
-            <a:endParaRPr lang="en-US" dirty="0"/>
-          </a:p>
-          <a:p>
-            <a:r>
-              <a:rPr lang="en-US" dirty="0" smtClean="0"/>
+              <a:rPr lang="en-US" dirty="0"/>
               <a:t>Mockups: You could use </a:t>
             </a:r>
             <a:r>
-              <a:rPr lang="en-US" dirty="0" err="1" smtClean="0"/>
+              <a:rPr lang="en-US" dirty="0" err="1"/>
               <a:t>balsamiq</a:t>
             </a:r>
             <a:r>
-              <a:rPr lang="en-US" dirty="0" smtClean="0"/>
+              <a:rPr lang="en-US" dirty="0"/>
               <a:t> (or Google docs, or Adobe Fireworks, or Visio, or something of that sort)</a:t>
             </a:r>
-            <a:endParaRPr lang="en-US" dirty="0" smtClean="0"/>
           </a:p>
         </p:txBody>
       </p:sp>
@@ -5290,6 +5170,7 @@
           <a:p>
             <a:fld id="{9B1A09FB-B7E1-A84A-81E7-727DE4609E44}" type="slidenum">
               <a:rPr lang="en-US" smtClean="0"/>
+              <a:t>5</a:t>
             </a:fld>
             <a:endParaRPr lang="en-US"/>
           </a:p>
@@ -5300,13 +5181,6 @@
   <p:clrMapOvr>
     <a:masterClrMapping/>
   </p:clrMapOvr>
-  <p:timing>
-    <p:tnLst>
-      <p:par>
-        <p:cTn id="1" dur="indefinite" restart="never" nodeType="tmRoot"/>
-      </p:par>
-    </p:tnLst>
-  </p:timing>
 </p:sld>
 </file>
 
@@ -5343,10 +5217,9 @@
           <a:lstStyle/>
           <a:p>
             <a:r>
-              <a:rPr lang="en-US" dirty="0" smtClean="0"/>
+              <a:rPr lang="en-US" dirty="0"/>
               <a:t>Description: Requirements</a:t>
             </a:r>
-            <a:endParaRPr lang="en-US" dirty="0"/>
           </a:p>
         </p:txBody>
       </p:sp>
@@ -5366,49 +5239,43 @@
           <a:lstStyle/>
           <a:p>
             <a:r>
-              <a:rPr lang="en-US" dirty="0" smtClean="0"/>
+              <a:rPr lang="en-US" dirty="0"/>
               <a:t>Functional requirements</a:t>
             </a:r>
-            <a:endParaRPr lang="en-US" dirty="0" smtClean="0"/>
-          </a:p>
-          <a:p>
-            <a:r>
-              <a:rPr lang="en-US" dirty="0" smtClean="0"/>
+          </a:p>
+          <a:p>
+            <a:r>
+              <a:rPr lang="en-US" dirty="0"/>
               <a:t>Don’t overlook the non-functional requirements</a:t>
             </a:r>
-            <a:endParaRPr lang="en-US" dirty="0" smtClean="0"/>
           </a:p>
           <a:p>
             <a:pPr lvl="1"/>
             <a:r>
-              <a:rPr lang="en-US" dirty="0" smtClean="0"/>
+              <a:rPr lang="en-US" dirty="0"/>
               <a:t>Performance</a:t>
             </a:r>
-            <a:endParaRPr lang="en-US" dirty="0" smtClean="0"/>
           </a:p>
           <a:p>
             <a:pPr lvl="2"/>
             <a:r>
-              <a:rPr lang="en-US" dirty="0" smtClean="0"/>
+              <a:rPr lang="en-US" dirty="0"/>
               <a:t>E.g., response time, accuracy of results, etc.</a:t>
             </a:r>
-            <a:endParaRPr lang="en-US" dirty="0" smtClean="0"/>
           </a:p>
           <a:p>
             <a:pPr lvl="1"/>
             <a:r>
-              <a:rPr lang="en-US" dirty="0" smtClean="0"/>
+              <a:rPr lang="en-US" dirty="0"/>
               <a:t>Storage requirements</a:t>
             </a:r>
-            <a:endParaRPr lang="en-US" dirty="0" smtClean="0"/>
           </a:p>
           <a:p>
             <a:pPr lvl="1"/>
             <a:r>
-              <a:rPr lang="en-US" dirty="0" smtClean="0"/>
+              <a:rPr lang="en-US" dirty="0"/>
               <a:t>Cost per user for deployment</a:t>
             </a:r>
-            <a:endParaRPr lang="en-US" dirty="0"/>
           </a:p>
         </p:txBody>
       </p:sp>
@@ -5429,6 +5296,7 @@
           <a:p>
             <a:fld id="{9B1A09FB-B7E1-A84A-81E7-727DE4609E44}" type="slidenum">
               <a:rPr lang="en-US" smtClean="0"/>
+              <a:t>6</a:t>
             </a:fld>
             <a:endParaRPr lang="en-US"/>
           </a:p>
@@ -5439,13 +5307,6 @@
   <p:clrMapOvr>
     <a:masterClrMapping/>
   </p:clrMapOvr>
-  <p:timing>
-    <p:tnLst>
-      <p:par>
-        <p:cTn id="1" dur="indefinite" restart="never" nodeType="tmRoot"/>
-      </p:par>
-    </p:tnLst>
-  </p:timing>
 </p:sld>
 </file>
 
@@ -5482,10 +5343,9 @@
           <a:lstStyle/>
           <a:p>
             <a:r>
-              <a:rPr lang="en-US" dirty="0" smtClean="0"/>
+              <a:rPr lang="en-US" dirty="0"/>
               <a:t>Description: Design Document</a:t>
             </a:r>
-            <a:endParaRPr lang="en-US" dirty="0"/>
           </a:p>
         </p:txBody>
       </p:sp>
@@ -5499,13 +5359,18 @@
             <p:ph idx="1"/>
           </p:nvPr>
         </p:nvSpPr>
-        <p:spPr/>
-        <p:txBody>
-          <a:bodyPr/>
-          <a:lstStyle/>
-          <a:p>
-            <a:r>
-              <a:rPr lang="en-US" b="1" dirty="0" smtClean="0">
+        <p:spPr>
+          <a:xfrm>
+            <a:off x="302654" y="1447800"/>
+            <a:ext cx="8229600" cy="4876800"/>
+          </a:xfrm>
+        </p:spPr>
+        <p:txBody>
+          <a:bodyPr/>
+          <a:lstStyle/>
+          <a:p>
+            <a:r>
+              <a:rPr lang="en-US" b="1" dirty="0">
                 <a:solidFill>
                   <a:schemeClr val="accent2"/>
                 </a:solidFill>
@@ -5513,14 +5378,13 @@
               <a:t>Architecture</a:t>
             </a:r>
             <a:r>
-              <a:rPr lang="en-US" dirty="0" smtClean="0"/>
+              <a:rPr lang="en-US" dirty="0"/>
               <a:t>: block diagram, flow charts, class diagram, database schema, etc.</a:t>
             </a:r>
-            <a:endParaRPr lang="en-US" dirty="0" smtClean="0"/>
-          </a:p>
-          <a:p>
-            <a:r>
-              <a:rPr lang="en-US" b="1" dirty="0" smtClean="0">
+          </a:p>
+          <a:p>
+            <a:r>
+              <a:rPr lang="en-US" b="1" dirty="0">
                 <a:solidFill>
                   <a:schemeClr val="accent4"/>
                 </a:solidFill>
@@ -5528,14 +5392,13 @@
               <a:t>Timeline</a:t>
             </a:r>
             <a:r>
-              <a:rPr lang="en-US" dirty="0" smtClean="0"/>
+              <a:rPr lang="en-US" dirty="0"/>
               <a:t>: key dates, effort required in number of hours, roles</a:t>
             </a:r>
-            <a:endParaRPr lang="en-US" dirty="0" smtClean="0"/>
-          </a:p>
-          <a:p>
-            <a:r>
-              <a:rPr lang="en-US" b="1" dirty="0" smtClean="0">
+          </a:p>
+          <a:p>
+            <a:r>
+              <a:rPr lang="en-US" b="1" dirty="0">
                 <a:solidFill>
                   <a:schemeClr val="accent6"/>
                 </a:solidFill>
@@ -5543,13 +5406,12 @@
               <a:t>APIs, services</a:t>
             </a:r>
             <a:r>
-              <a:rPr lang="en-US" dirty="0" smtClean="0"/>
+              <a:rPr lang="en-US" dirty="0"/>
               <a:t>: what can you exploit to get done fastest</a:t>
             </a:r>
-            <a:endParaRPr lang="en-US" dirty="0" smtClean="0"/>
-          </a:p>
-          <a:p>
-            <a:endParaRPr lang="en-US" dirty="0" smtClean="0"/>
+          </a:p>
+          <a:p>
+            <a:endParaRPr lang="en-US" dirty="0"/>
           </a:p>
         </p:txBody>
       </p:sp>
@@ -5570,6 +5432,7 @@
           <a:p>
             <a:fld id="{9B1A09FB-B7E1-A84A-81E7-727DE4609E44}" type="slidenum">
               <a:rPr lang="en-US" smtClean="0"/>
+              <a:t>7</a:t>
             </a:fld>
             <a:endParaRPr lang="en-US"/>
           </a:p>
@@ -5580,13 +5443,6 @@
   <p:clrMapOvr>
     <a:masterClrMapping/>
   </p:clrMapOvr>
-  <p:timing>
-    <p:tnLst>
-      <p:par>
-        <p:cTn id="1" dur="indefinite" restart="never" nodeType="tmRoot"/>
-      </p:par>
-    </p:tnLst>
-  </p:timing>
 </p:sld>
 </file>
 
@@ -5623,10 +5479,9 @@
           <a:lstStyle/>
           <a:p>
             <a:r>
-              <a:rPr lang="en-US" dirty="0" smtClean="0"/>
+              <a:rPr lang="en-US" dirty="0"/>
               <a:t>Description: Feasibility</a:t>
             </a:r>
-            <a:endParaRPr lang="en-US" dirty="0"/>
           </a:p>
         </p:txBody>
       </p:sp>
@@ -5646,58 +5501,51 @@
           <a:lstStyle/>
           <a:p>
             <a:r>
-              <a:rPr lang="en-US" dirty="0" smtClean="0"/>
+              <a:rPr lang="en-US" dirty="0"/>
               <a:t>Things that may lead you to fail</a:t>
             </a:r>
-            <a:endParaRPr lang="en-US" dirty="0" smtClean="0"/>
           </a:p>
           <a:p>
             <a:pPr lvl="1"/>
             <a:r>
-              <a:rPr lang="en-US" dirty="0" smtClean="0"/>
+              <a:rPr lang="en-US" dirty="0"/>
               <a:t>Lack of familiarity with APIs</a:t>
             </a:r>
-            <a:endParaRPr lang="en-US" dirty="0" smtClean="0"/>
           </a:p>
           <a:p>
             <a:pPr lvl="1"/>
             <a:r>
-              <a:rPr lang="en-US" dirty="0" smtClean="0"/>
+              <a:rPr lang="en-US" dirty="0"/>
               <a:t>Unable to deliver on performance</a:t>
             </a:r>
-            <a:endParaRPr lang="en-US" dirty="0" smtClean="0"/>
           </a:p>
           <a:p>
             <a:pPr lvl="1"/>
             <a:r>
-              <a:rPr lang="en-US" dirty="0" smtClean="0"/>
+              <a:rPr lang="en-US" dirty="0"/>
               <a:t>Cost excessive</a:t>
             </a:r>
-            <a:endParaRPr lang="en-US" dirty="0" smtClean="0"/>
           </a:p>
           <a:p>
             <a:pPr lvl="1"/>
             <a:r>
-              <a:rPr lang="en-US" dirty="0" smtClean="0"/>
+              <a:rPr lang="en-US" dirty="0"/>
               <a:t>Existing projects</a:t>
             </a:r>
-            <a:endParaRPr lang="en-US" dirty="0" smtClean="0"/>
           </a:p>
           <a:p>
             <a:pPr lvl="1"/>
             <a:r>
-              <a:rPr lang="en-US" dirty="0" smtClean="0"/>
+              <a:rPr lang="en-US" dirty="0"/>
               <a:t>Too many features (prioritize)</a:t>
             </a:r>
-            <a:endParaRPr lang="en-US" dirty="0" smtClean="0"/>
           </a:p>
           <a:p>
             <a:pPr lvl="1"/>
             <a:r>
-              <a:rPr lang="en-US" dirty="0" smtClean="0"/>
+              <a:rPr lang="en-US" dirty="0"/>
               <a:t>Third party APIs/service may not be reliable</a:t>
             </a:r>
-            <a:endParaRPr lang="en-US" dirty="0"/>
           </a:p>
         </p:txBody>
       </p:sp>
@@ -5718,6 +5566,7 @@
           <a:p>
             <a:fld id="{9B1A09FB-B7E1-A84A-81E7-727DE4609E44}" type="slidenum">
               <a:rPr lang="en-US" smtClean="0"/>
+              <a:t>8</a:t>
             </a:fld>
             <a:endParaRPr lang="en-US"/>
           </a:p>
@@ -5764,83 +5613,80 @@
           <a:lstStyle/>
           <a:p>
             <a:r>
-              <a:rPr lang="en-US" dirty="0" smtClean="0"/>
+              <a:rPr lang="en-US" dirty="0"/>
               <a:t>Useful APIs and Services</a:t>
             </a:r>
+          </a:p>
+        </p:txBody>
+      </p:sp>
+      <p:sp>
+        <p:nvSpPr>
+          <p:cNvPr id="3" name="Content Placeholder 2"/>
+          <p:cNvSpPr>
+            <a:spLocks noGrp="1"/>
+          </p:cNvSpPr>
+          <p:nvPr>
+            <p:ph idx="1"/>
+          </p:nvPr>
+        </p:nvSpPr>
+        <p:spPr/>
+        <p:txBody>
+          <a:bodyPr/>
+          <a:lstStyle/>
+          <a:p>
+            <a:r>
+              <a:rPr lang="en-US" dirty="0"/>
+              <a:t>HTML/CSS, HTML Forms, Java URL, Java Sockets, Android UI, </a:t>
+            </a:r>
+            <a:r>
+              <a:rPr lang="en-US" dirty="0" err="1"/>
+              <a:t>Sqlite</a:t>
+            </a:r>
+            <a:r>
+              <a:rPr lang="en-US" dirty="0"/>
+              <a:t> libraries</a:t>
+            </a:r>
+          </a:p>
+          <a:p>
             <a:endParaRPr lang="en-US" dirty="0"/>
           </a:p>
-        </p:txBody>
-      </p:sp>
-      <p:sp>
-        <p:nvSpPr>
-          <p:cNvPr id="3" name="Content Placeholder 2"/>
-          <p:cNvSpPr>
-            <a:spLocks noGrp="1"/>
-          </p:cNvSpPr>
-          <p:nvPr>
-            <p:ph idx="1"/>
-          </p:nvPr>
-        </p:nvSpPr>
-        <p:spPr/>
-        <p:txBody>
-          <a:bodyPr/>
-          <a:lstStyle/>
-          <a:p>
-            <a:r>
-              <a:rPr lang="en-US" dirty="0" smtClean="0"/>
-              <a:t>HTML/CSS, HTML Forms, Java URL, Java Sockets, Android UI, </a:t>
-            </a:r>
-            <a:r>
-              <a:rPr lang="en-US" dirty="0" err="1" smtClean="0"/>
-              <a:t>Sqlite</a:t>
-            </a:r>
-            <a:r>
-              <a:rPr lang="en-US" dirty="0" smtClean="0"/>
-              <a:t> libraries</a:t>
-            </a:r>
-            <a:endParaRPr lang="en-US" dirty="0" smtClean="0"/>
-          </a:p>
-          <a:p>
-            <a:endParaRPr lang="en-US" dirty="0"/>
-          </a:p>
-          <a:p>
-            <a:r>
-              <a:rPr lang="en-US" dirty="0" smtClean="0"/>
+          <a:p>
+            <a:r>
+              <a:rPr lang="en-US" dirty="0"/>
               <a:t>Java Jetty, GSON, Java Entities, </a:t>
             </a:r>
             <a:r>
-              <a:rPr lang="en-US" dirty="0" err="1" smtClean="0"/>
+              <a:rPr lang="en-US" dirty="0" err="1"/>
               <a:t>jquery</a:t>
             </a:r>
             <a:r>
-              <a:rPr lang="en-US" dirty="0" smtClean="0"/>
+              <a:rPr lang="en-US" dirty="0"/>
               <a:t>, </a:t>
             </a:r>
             <a:r>
-              <a:rPr lang="en-US" dirty="0" err="1" smtClean="0"/>
+              <a:rPr lang="en-US" dirty="0" err="1"/>
               <a:t>opencv</a:t>
             </a:r>
             <a:r>
-              <a:rPr lang="en-US" dirty="0" smtClean="0"/>
+              <a:rPr lang="en-US" dirty="0"/>
               <a:t>, Django, GWT, Quartz, </a:t>
             </a:r>
             <a:r>
-              <a:rPr lang="en-US" dirty="0" err="1" smtClean="0"/>
+              <a:rPr lang="en-US" dirty="0" err="1"/>
               <a:t>htmlparser</a:t>
             </a:r>
             <a:r>
-              <a:rPr lang="en-US" dirty="0" smtClean="0"/>
+              <a:rPr lang="en-US" dirty="0"/>
               <a:t>, Junit, </a:t>
             </a:r>
             <a:r>
-              <a:rPr lang="en-US" dirty="0" err="1" smtClean="0"/>
+              <a:rPr lang="en-US" dirty="0" err="1"/>
               <a:t>iText</a:t>
             </a:r>
             <a:r>
-              <a:rPr lang="en-US" dirty="0" smtClean="0"/>
+              <a:rPr lang="en-US" dirty="0"/>
               <a:t>, Java Runtime</a:t>
             </a:r>
-            <a:endParaRPr lang="en-US" dirty="0" smtClean="0"/>
           </a:p>
           <a:p>
             <a:endParaRPr lang="en-US" dirty="0"/>
@@ -5849,7 +5695,7 @@
             <a:pPr marL="0" indent="0">
               <a:buNone/>
             </a:pPr>
-            <a:endParaRPr lang="en-US" dirty="0" smtClean="0"/>
+            <a:endParaRPr lang="en-US" dirty="0"/>
           </a:p>
         </p:txBody>
       </p:sp>
@@ -5870,6 +5716,7 @@
           <a:p>
             <a:fld id="{9B1A09FB-B7E1-A84A-81E7-727DE4609E44}" type="slidenum">
               <a:rPr lang="en-US" smtClean="0"/>
+              <a:t>9</a:t>
             </a:fld>
             <a:endParaRPr lang="en-US"/>
           </a:p>
@@ -6166,6 +6013,8 @@
       </a:bgFillStyleLst>
     </a:fmtScheme>
   </a:themeElements>
+  <a:objectDefaults/>
+  <a:extraClrSchemeLst/>
   <a:extLst>
     <a:ext uri="{05A4C25C-085E-4340-85A3-A5531E510DB2}">
       <thm15:themeFamily xmlns:thm15="http://schemas.microsoft.com/office/thememl/2012/main" name="Office Theme" id="{62F939B6-93AF-4DB8-9C6B-D6C7DFDC589F}" vid="{4A3C46E8-61CC-4603-A589-7422A47A8E4A}"/>
@@ -6490,6 +6339,7 @@
       </a:style>
     </a:lnDef>
   </a:objectDefaults>
+  <a:extraClrSchemeLst/>
   <a:extLst>
     <a:ext uri="{05A4C25C-085E-4340-85A3-A5531E510DB2}">
       <thm15:themeFamily xmlns:thm15="http://schemas.microsoft.com/office/thememl/2012/main" name="Office Theme" id="{62F939B6-93AF-4DB8-9C6B-D6C7DFDC589F}" vid="{4A3C46E8-61CC-4603-A589-7422A47A8E4A}"/>
@@ -6814,6 +6664,7 @@
       </a:style>
     </a:lnDef>
   </a:objectDefaults>
+  <a:extraClrSchemeLst/>
   <a:extLst>
     <a:ext uri="{05A4C25C-085E-4340-85A3-A5531E510DB2}">
       <thm15:themeFamily xmlns:thm15="http://schemas.microsoft.com/office/thememl/2012/main" name="Office Theme" id="{62F939B6-93AF-4DB8-9C6B-D6C7DFDC589F}" vid="{4A3C46E8-61CC-4603-A589-7422A47A8E4A}"/>
